--- a/lesson7_复习课1.pptx
+++ b/lesson7_复习课1.pptx
@@ -3437,7 +3437,9 @@
         </p:nvSpPr>
         <p:spPr/>
         <p:txBody>
-          <a:bodyPr/>
+          <a:bodyPr>
+            <a:normAutofit/>
+          </a:bodyPr>
           <a:lstStyle/>
           <a:p>
             <a:pPr marL="0" indent="0">
@@ -3445,7 +3447,7 @@
             </a:pPr>
             <a:r>
               <a:rPr lang="zh-CN" altLang="en-US" dirty="0"/>
-              <a:t>定义一个函数，输入一个数</a:t>
+              <a:t>输入一个数</a:t>
             </a:r>
             <a:r>
               <a:rPr lang="en-US" altLang="zh-CN" dirty="0"/>
@@ -3469,6 +3471,49 @@
             <a:pPr marL="0" indent="0">
               <a:buNone/>
             </a:pPr>
+            <a:r>
+              <a:rPr lang="en-US" altLang="zh-CN" dirty="0"/>
+              <a:t>n = int(input("n = "))</a:t>
+            </a:r>
+          </a:p>
+          <a:p>
+            <a:pPr marL="0" indent="0">
+              <a:buNone/>
+            </a:pPr>
+            <a:r>
+              <a:rPr lang="en-US" altLang="zh-CN" dirty="0"/>
+              <a:t>result = 0</a:t>
+            </a:r>
+          </a:p>
+          <a:p>
+            <a:pPr marL="0" indent="0">
+              <a:buNone/>
+            </a:pPr>
+            <a:r>
+              <a:rPr lang="en-US" altLang="zh-CN" dirty="0"/>
+              <a:t>for </a:t>
+            </a:r>
+            <a:r>
+              <a:rPr lang="en-US" altLang="zh-CN" dirty="0" err="1"/>
+              <a:t>i</a:t>
+            </a:r>
+            <a:r>
+              <a:rPr lang="en-US" altLang="zh-CN" dirty="0"/>
+              <a:t> in range(1,n+1):</a:t>
+            </a:r>
+          </a:p>
+          <a:p>
+            <a:pPr marL="0" indent="0">
+              <a:buNone/>
+            </a:pPr>
+            <a:r>
+              <a:rPr lang="en-US" altLang="zh-CN" dirty="0"/>
+              <a:t>    result = result + </a:t>
+            </a:r>
+            <a:r>
+              <a:rPr lang="en-US" altLang="zh-CN" dirty="0" err="1"/>
+              <a:t>i</a:t>
+            </a:r>
             <a:endParaRPr lang="en-US" altLang="zh-CN" dirty="0"/>
           </a:p>
           <a:p>
@@ -3476,8 +3521,17 @@
               <a:buNone/>
             </a:pPr>
             <a:r>
+              <a:rPr lang="en-US" altLang="zh-CN" dirty="0"/>
+              <a:t>print(result)</a:t>
+            </a:r>
+          </a:p>
+          <a:p>
+            <a:pPr marL="0" indent="0">
+              <a:buNone/>
+            </a:pPr>
+            <a:r>
               <a:rPr lang="zh-CN" altLang="en-US" dirty="0"/>
-              <a:t>定义一个函数，输入一个数</a:t>
+              <a:t>输入一个数</a:t>
             </a:r>
             <a:r>
               <a:rPr lang="en-US" altLang="zh-CN" dirty="0"/>
@@ -3586,7 +3640,9 @@
         </p:nvSpPr>
         <p:spPr/>
         <p:txBody>
-          <a:bodyPr/>
+          <a:bodyPr>
+            <a:normAutofit fontScale="77500" lnSpcReduction="20000"/>
+          </a:bodyPr>
           <a:lstStyle/>
           <a:p>
             <a:pPr marL="0" indent="0">
@@ -3610,6 +3666,89 @@
             <a:pPr marL="0" indent="0">
               <a:buNone/>
             </a:pPr>
+            <a:r>
+              <a:rPr lang="en-US" altLang="zh-CN" dirty="0"/>
+              <a:t>p = [5,3,7,2,1,9,8,4]</a:t>
+            </a:r>
+          </a:p>
+          <a:p>
+            <a:pPr marL="0" indent="0">
+              <a:buNone/>
+            </a:pPr>
+            <a:r>
+              <a:rPr lang="en-US" altLang="zh-CN" dirty="0"/>
+              <a:t>num = int(input("</a:t>
+            </a:r>
+            <a:r>
+              <a:rPr lang="zh-CN" altLang="en-US" dirty="0"/>
+              <a:t>请输入要查找的数字：</a:t>
+            </a:r>
+            <a:r>
+              <a:rPr lang="en-US" altLang="zh-CN" dirty="0"/>
+              <a:t>"))</a:t>
+            </a:r>
+          </a:p>
+          <a:p>
+            <a:pPr marL="0" indent="0">
+              <a:buNone/>
+            </a:pPr>
+            <a:r>
+              <a:rPr lang="en-US" altLang="zh-CN" dirty="0"/>
+              <a:t>index = 0</a:t>
+            </a:r>
+          </a:p>
+          <a:p>
+            <a:pPr marL="0" indent="0">
+              <a:buNone/>
+            </a:pPr>
+            <a:r>
+              <a:rPr lang="en-US" altLang="zh-CN" dirty="0"/>
+              <a:t>for n in p:</a:t>
+            </a:r>
+          </a:p>
+          <a:p>
+            <a:pPr marL="0" indent="0">
+              <a:buNone/>
+            </a:pPr>
+            <a:r>
+              <a:rPr lang="en-US" altLang="zh-CN" dirty="0"/>
+              <a:t>    if (n == num):</a:t>
+            </a:r>
+          </a:p>
+          <a:p>
+            <a:pPr marL="0" indent="0">
+              <a:buNone/>
+            </a:pPr>
+            <a:r>
+              <a:rPr lang="en-US" altLang="zh-CN" dirty="0"/>
+              <a:t>        print(index)</a:t>
+            </a:r>
+          </a:p>
+          <a:p>
+            <a:pPr marL="0" indent="0">
+              <a:buNone/>
+            </a:pPr>
+            <a:r>
+              <a:rPr lang="en-US" altLang="zh-CN" dirty="0"/>
+              <a:t>    index = index + 1</a:t>
+            </a:r>
+          </a:p>
+          <a:p>
+            <a:pPr marL="0" indent="0">
+              <a:buNone/>
+            </a:pPr>
+            <a:endParaRPr lang="en-US" altLang="zh-CN" dirty="0"/>
+          </a:p>
+          <a:p>
+            <a:pPr marL="0" indent="0">
+              <a:buNone/>
+            </a:pPr>
+            <a:endParaRPr lang="en-US" altLang="zh-CN" dirty="0"/>
+          </a:p>
+          <a:p>
+            <a:pPr marL="0" indent="0">
+              <a:buNone/>
+            </a:pPr>
             <a:endParaRPr lang="en-US" altLang="zh-CN" dirty="0"/>
           </a:p>
           <a:p>
@@ -3625,12 +3764,8 @@
               <a:t>[5,3,7,2,1,9,8,4]</a:t>
             </a:r>
             <a:r>
-              <a:rPr lang="zh-CN" altLang="en-US"/>
-              <a:t>中的</a:t>
-            </a:r>
-            <a:r>
               <a:rPr lang="zh-CN" altLang="en-US" dirty="0"/>
-              <a:t>最大值和对应的索引。</a:t>
+              <a:t>中的最大值和对应的索引。</a:t>
             </a:r>
             <a:endParaRPr lang="en-US" altLang="zh-CN" dirty="0"/>
           </a:p>

--- a/lesson7_复习课1.pptx
+++ b/lesson7_复习课1.pptx
@@ -261,7 +261,7 @@
           <a:p>
             <a:fld id="{1CC2806B-8005-4C2D-AD48-C15DFC3CDA57}" type="datetimeFigureOut">
               <a:rPr lang="zh-CN" altLang="en-US" smtClean="0"/>
-              <a:t>2022/11/12</a:t>
+              <a:t>2022/11/19</a:t>
             </a:fld>
             <a:endParaRPr lang="zh-CN" altLang="en-US"/>
           </a:p>
@@ -459,7 +459,7 @@
           <a:p>
             <a:fld id="{1CC2806B-8005-4C2D-AD48-C15DFC3CDA57}" type="datetimeFigureOut">
               <a:rPr lang="zh-CN" altLang="en-US" smtClean="0"/>
-              <a:t>2022/11/12</a:t>
+              <a:t>2022/11/19</a:t>
             </a:fld>
             <a:endParaRPr lang="zh-CN" altLang="en-US"/>
           </a:p>
@@ -667,7 +667,7 @@
           <a:p>
             <a:fld id="{1CC2806B-8005-4C2D-AD48-C15DFC3CDA57}" type="datetimeFigureOut">
               <a:rPr lang="zh-CN" altLang="en-US" smtClean="0"/>
-              <a:t>2022/11/12</a:t>
+              <a:t>2022/11/19</a:t>
             </a:fld>
             <a:endParaRPr lang="zh-CN" altLang="en-US"/>
           </a:p>
@@ -865,7 +865,7 @@
           <a:p>
             <a:fld id="{1CC2806B-8005-4C2D-AD48-C15DFC3CDA57}" type="datetimeFigureOut">
               <a:rPr lang="zh-CN" altLang="en-US" smtClean="0"/>
-              <a:t>2022/11/12</a:t>
+              <a:t>2022/11/19</a:t>
             </a:fld>
             <a:endParaRPr lang="zh-CN" altLang="en-US"/>
           </a:p>
@@ -1140,7 +1140,7 @@
           <a:p>
             <a:fld id="{1CC2806B-8005-4C2D-AD48-C15DFC3CDA57}" type="datetimeFigureOut">
               <a:rPr lang="zh-CN" altLang="en-US" smtClean="0"/>
-              <a:t>2022/11/12</a:t>
+              <a:t>2022/11/19</a:t>
             </a:fld>
             <a:endParaRPr lang="zh-CN" altLang="en-US"/>
           </a:p>
@@ -1405,7 +1405,7 @@
           <a:p>
             <a:fld id="{1CC2806B-8005-4C2D-AD48-C15DFC3CDA57}" type="datetimeFigureOut">
               <a:rPr lang="zh-CN" altLang="en-US" smtClean="0"/>
-              <a:t>2022/11/12</a:t>
+              <a:t>2022/11/19</a:t>
             </a:fld>
             <a:endParaRPr lang="zh-CN" altLang="en-US"/>
           </a:p>
@@ -1817,7 +1817,7 @@
           <a:p>
             <a:fld id="{1CC2806B-8005-4C2D-AD48-C15DFC3CDA57}" type="datetimeFigureOut">
               <a:rPr lang="zh-CN" altLang="en-US" smtClean="0"/>
-              <a:t>2022/11/12</a:t>
+              <a:t>2022/11/19</a:t>
             </a:fld>
             <a:endParaRPr lang="zh-CN" altLang="en-US"/>
           </a:p>
@@ -1958,7 +1958,7 @@
           <a:p>
             <a:fld id="{1CC2806B-8005-4C2D-AD48-C15DFC3CDA57}" type="datetimeFigureOut">
               <a:rPr lang="zh-CN" altLang="en-US" smtClean="0"/>
-              <a:t>2022/11/12</a:t>
+              <a:t>2022/11/19</a:t>
             </a:fld>
             <a:endParaRPr lang="zh-CN" altLang="en-US"/>
           </a:p>
@@ -2071,7 +2071,7 @@
           <a:p>
             <a:fld id="{1CC2806B-8005-4C2D-AD48-C15DFC3CDA57}" type="datetimeFigureOut">
               <a:rPr lang="zh-CN" altLang="en-US" smtClean="0"/>
-              <a:t>2022/11/12</a:t>
+              <a:t>2022/11/19</a:t>
             </a:fld>
             <a:endParaRPr lang="zh-CN" altLang="en-US"/>
           </a:p>
@@ -2382,7 +2382,7 @@
           <a:p>
             <a:fld id="{1CC2806B-8005-4C2D-AD48-C15DFC3CDA57}" type="datetimeFigureOut">
               <a:rPr lang="zh-CN" altLang="en-US" smtClean="0"/>
-              <a:t>2022/11/12</a:t>
+              <a:t>2022/11/19</a:t>
             </a:fld>
             <a:endParaRPr lang="zh-CN" altLang="en-US"/>
           </a:p>
@@ -2670,7 +2670,7 @@
           <a:p>
             <a:fld id="{1CC2806B-8005-4C2D-AD48-C15DFC3CDA57}" type="datetimeFigureOut">
               <a:rPr lang="zh-CN" altLang="en-US" smtClean="0"/>
-              <a:t>2022/11/12</a:t>
+              <a:t>2022/11/19</a:t>
             </a:fld>
             <a:endParaRPr lang="zh-CN" altLang="en-US"/>
           </a:p>
@@ -2911,7 +2911,7 @@
           <a:p>
             <a:fld id="{1CC2806B-8005-4C2D-AD48-C15DFC3CDA57}" type="datetimeFigureOut">
               <a:rPr lang="zh-CN" altLang="en-US" smtClean="0"/>
-              <a:t>2022/11/12</a:t>
+              <a:t>2022/11/19</a:t>
             </a:fld>
             <a:endParaRPr lang="zh-CN" altLang="en-US"/>
           </a:p>
@@ -3641,7 +3641,7 @@
         <p:spPr/>
         <p:txBody>
           <a:bodyPr>
-            <a:normAutofit fontScale="77500" lnSpcReduction="20000"/>
+            <a:normAutofit fontScale="62500" lnSpcReduction="20000"/>
           </a:bodyPr>
           <a:lstStyle/>
           <a:p>
@@ -3722,6 +3722,15 @@
             <a:r>
               <a:rPr lang="en-US" altLang="zh-CN" dirty="0"/>
               <a:t>        print(index)</a:t>
+            </a:r>
+          </a:p>
+          <a:p>
+            <a:pPr marL="0" indent="0">
+              <a:buNone/>
+            </a:pPr>
+            <a:r>
+              <a:rPr lang="en-US" altLang="zh-CN" dirty="0"/>
+              <a:t>        break</a:t>
             </a:r>
           </a:p>
           <a:p>
